--- a/WCMC.Normalization.Quantile/inst/www/temp.pptx
+++ b/WCMC.Normalization.Quantile/inst/www/temp.pptx
@@ -242,7 +242,7 @@
           <a:p>
             <a:fld id="{1CB658BD-DBEE-41B2-A6B8-BB896E4B8E7A}" type="datetimeFigureOut">
               <a:rPr lang="en-US" smtClean="0"/>
-              <a:t>2/15/2017</a:t>
+              <a:t>3/4/2017</a:t>
             </a:fld>
             <a:endParaRPr lang="en-US"/>
           </a:p>
@@ -410,7 +410,7 @@
           <a:p>
             <a:fld id="{1CB658BD-DBEE-41B2-A6B8-BB896E4B8E7A}" type="datetimeFigureOut">
               <a:rPr lang="en-US" smtClean="0"/>
-              <a:t>2/15/2017</a:t>
+              <a:t>3/4/2017</a:t>
             </a:fld>
             <a:endParaRPr lang="en-US"/>
           </a:p>
@@ -588,7 +588,7 @@
           <a:p>
             <a:fld id="{1CB658BD-DBEE-41B2-A6B8-BB896E4B8E7A}" type="datetimeFigureOut">
               <a:rPr lang="en-US" smtClean="0"/>
-              <a:t>2/15/2017</a:t>
+              <a:t>3/4/2017</a:t>
             </a:fld>
             <a:endParaRPr lang="en-US"/>
           </a:p>
@@ -756,7 +756,7 @@
           <a:p>
             <a:fld id="{1CB658BD-DBEE-41B2-A6B8-BB896E4B8E7A}" type="datetimeFigureOut">
               <a:rPr lang="en-US" smtClean="0"/>
-              <a:t>2/15/2017</a:t>
+              <a:t>3/4/2017</a:t>
             </a:fld>
             <a:endParaRPr lang="en-US"/>
           </a:p>
@@ -1001,7 +1001,7 @@
           <a:p>
             <a:fld id="{1CB658BD-DBEE-41B2-A6B8-BB896E4B8E7A}" type="datetimeFigureOut">
               <a:rPr lang="en-US" smtClean="0"/>
-              <a:t>2/15/2017</a:t>
+              <a:t>3/4/2017</a:t>
             </a:fld>
             <a:endParaRPr lang="en-US"/>
           </a:p>
@@ -1230,7 +1230,7 @@
           <a:p>
             <a:fld id="{1CB658BD-DBEE-41B2-A6B8-BB896E4B8E7A}" type="datetimeFigureOut">
               <a:rPr lang="en-US" smtClean="0"/>
-              <a:t>2/15/2017</a:t>
+              <a:t>3/4/2017</a:t>
             </a:fld>
             <a:endParaRPr lang="en-US"/>
           </a:p>
@@ -1594,7 +1594,7 @@
           <a:p>
             <a:fld id="{1CB658BD-DBEE-41B2-A6B8-BB896E4B8E7A}" type="datetimeFigureOut">
               <a:rPr lang="en-US" smtClean="0"/>
-              <a:t>2/15/2017</a:t>
+              <a:t>3/4/2017</a:t>
             </a:fld>
             <a:endParaRPr lang="en-US"/>
           </a:p>
@@ -1711,7 +1711,7 @@
           <a:p>
             <a:fld id="{1CB658BD-DBEE-41B2-A6B8-BB896E4B8E7A}" type="datetimeFigureOut">
               <a:rPr lang="en-US" smtClean="0"/>
-              <a:t>2/15/2017</a:t>
+              <a:t>3/4/2017</a:t>
             </a:fld>
             <a:endParaRPr lang="en-US"/>
           </a:p>
@@ -1806,7 +1806,7 @@
           <a:p>
             <a:fld id="{1CB658BD-DBEE-41B2-A6B8-BB896E4B8E7A}" type="datetimeFigureOut">
               <a:rPr lang="en-US" smtClean="0"/>
-              <a:t>2/15/2017</a:t>
+              <a:t>3/4/2017</a:t>
             </a:fld>
             <a:endParaRPr lang="en-US"/>
           </a:p>
@@ -2081,7 +2081,7 @@
           <a:p>
             <a:fld id="{1CB658BD-DBEE-41B2-A6B8-BB896E4B8E7A}" type="datetimeFigureOut">
               <a:rPr lang="en-US" smtClean="0"/>
-              <a:t>2/15/2017</a:t>
+              <a:t>3/4/2017</a:t>
             </a:fld>
             <a:endParaRPr lang="en-US"/>
           </a:p>
@@ -2333,7 +2333,7 @@
           <a:p>
             <a:fld id="{1CB658BD-DBEE-41B2-A6B8-BB896E4B8E7A}" type="datetimeFigureOut">
               <a:rPr lang="en-US" smtClean="0"/>
-              <a:t>2/15/2017</a:t>
+              <a:t>3/4/2017</a:t>
             </a:fld>
             <a:endParaRPr lang="en-US"/>
           </a:p>
@@ -2544,7 +2544,7 @@
           <a:p>
             <a:fld id="{1CB658BD-DBEE-41B2-A6B8-BB896E4B8E7A}" type="datetimeFigureOut">
               <a:rPr lang="en-US" smtClean="0"/>
-              <a:t>2/15/2017</a:t>
+              <a:t>3/4/2017</a:t>
             </a:fld>
             <a:endParaRPr lang="en-US"/>
           </a:p>
